--- a/作品提交材料/S3.核心内容展示/核心内容.pptx
+++ b/作品提交材料/S3.核心内容展示/核心内容.pptx
@@ -4,6 +4,9 @@
   <p:sldMasterIdLst>
     <p:sldMasterId id="2147483648" r:id="rId1"/>
   </p:sldMasterIdLst>
+  <p:sldIdLst>
+    <p:sldId id="256" r:id="rId2"/>
+  </p:sldIdLst>
   <p:sldSz cx="12192000" cy="6858000"/>
   <p:notesSz cx="6858000" cy="9144000"/>
   <p:defaultTextStyle>
@@ -162,10 +165,9 @@
           </a:lstStyle>
           <a:p>
             <a:r>
-              <a:rPr lang="zh-CN" altLang="en-US" smtClean="0"/>
+              <a:rPr lang="zh-CN" altLang="en-US"/>
               <a:t>单击此处编辑母版标题样式</a:t>
             </a:r>
-            <a:endParaRPr lang="zh-CN" altLang="en-US"/>
           </a:p>
         </p:txBody>
       </p:sp>
@@ -227,10 +229,9 @@
           </a:lstStyle>
           <a:p>
             <a:r>
-              <a:rPr lang="zh-CN" altLang="en-US" smtClean="0"/>
+              <a:rPr lang="zh-CN" altLang="en-US"/>
               <a:t>单击此处编辑母版副标题样式</a:t>
             </a:r>
-            <a:endParaRPr lang="zh-CN" altLang="en-US"/>
           </a:p>
         </p:txBody>
       </p:sp>
@@ -251,6 +252,7 @@
           <a:p>
             <a:fld id="{D997B5FA-0921-464F-AAE1-844C04324D75}" type="datetimeFigureOut">
               <a:rPr lang="zh-CN" altLang="en-US" smtClean="0"/>
+              <a:t>2025/9/30</a:t>
             </a:fld>
             <a:endParaRPr lang="zh-CN" altLang="en-US"/>
           </a:p>
@@ -292,6 +294,7 @@
           <a:p>
             <a:fld id="{565CE74E-AB26-4998-AD42-012C4C1AD076}" type="slidenum">
               <a:rPr lang="zh-CN" altLang="en-US" smtClean="0"/>
+              <a:t>‹#›</a:t>
             </a:fld>
             <a:endParaRPr lang="zh-CN" altLang="en-US"/>
           </a:p>
@@ -338,10 +341,9 @@
           <a:lstStyle/>
           <a:p>
             <a:r>
-              <a:rPr lang="zh-CN" altLang="en-US" smtClean="0"/>
+              <a:rPr lang="zh-CN" altLang="en-US"/>
               <a:t>单击此处编辑母版标题样式</a:t>
             </a:r>
-            <a:endParaRPr lang="zh-CN" altLang="en-US"/>
           </a:p>
         </p:txBody>
       </p:sp>
@@ -362,42 +364,37 @@
           <a:p>
             <a:pPr lvl="0"/>
             <a:r>
-              <a:rPr lang="zh-CN" altLang="en-US" smtClean="0"/>
+              <a:rPr lang="zh-CN" altLang="en-US"/>
               <a:t>单击此处编辑母版文本样式</a:t>
             </a:r>
-            <a:endParaRPr lang="zh-CN" altLang="en-US" smtClean="0"/>
           </a:p>
           <a:p>
             <a:pPr lvl="1"/>
             <a:r>
-              <a:rPr lang="zh-CN" altLang="en-US" smtClean="0"/>
+              <a:rPr lang="zh-CN" altLang="en-US"/>
               <a:t>第二级</a:t>
             </a:r>
-            <a:endParaRPr lang="zh-CN" altLang="en-US" smtClean="0"/>
           </a:p>
           <a:p>
             <a:pPr lvl="2"/>
             <a:r>
-              <a:rPr lang="zh-CN" altLang="en-US" smtClean="0"/>
+              <a:rPr lang="zh-CN" altLang="en-US"/>
               <a:t>第三级</a:t>
             </a:r>
-            <a:endParaRPr lang="zh-CN" altLang="en-US" smtClean="0"/>
           </a:p>
           <a:p>
             <a:pPr lvl="3"/>
             <a:r>
-              <a:rPr lang="zh-CN" altLang="en-US" smtClean="0"/>
+              <a:rPr lang="zh-CN" altLang="en-US"/>
               <a:t>第四级</a:t>
             </a:r>
-            <a:endParaRPr lang="zh-CN" altLang="en-US" smtClean="0"/>
           </a:p>
           <a:p>
             <a:pPr lvl="4"/>
             <a:r>
-              <a:rPr lang="zh-CN" altLang="en-US" smtClean="0"/>
+              <a:rPr lang="zh-CN" altLang="en-US"/>
               <a:t>第五级</a:t>
             </a:r>
-            <a:endParaRPr lang="zh-CN" altLang="en-US"/>
           </a:p>
         </p:txBody>
       </p:sp>
@@ -418,6 +415,7 @@
           <a:p>
             <a:fld id="{D997B5FA-0921-464F-AAE1-844C04324D75}" type="datetimeFigureOut">
               <a:rPr lang="zh-CN" altLang="en-US" smtClean="0"/>
+              <a:t>2025/9/30</a:t>
             </a:fld>
             <a:endParaRPr lang="zh-CN" altLang="en-US"/>
           </a:p>
@@ -459,6 +457,7 @@
           <a:p>
             <a:fld id="{565CE74E-AB26-4998-AD42-012C4C1AD076}" type="slidenum">
               <a:rPr lang="zh-CN" altLang="en-US" smtClean="0"/>
+              <a:t>‹#›</a:t>
             </a:fld>
             <a:endParaRPr lang="zh-CN" altLang="en-US"/>
           </a:p>
@@ -510,10 +509,9 @@
           <a:lstStyle/>
           <a:p>
             <a:r>
-              <a:rPr lang="zh-CN" altLang="en-US" smtClean="0"/>
+              <a:rPr lang="zh-CN" altLang="en-US"/>
               <a:t>单击此处编辑母版标题样式</a:t>
             </a:r>
-            <a:endParaRPr lang="zh-CN" altLang="en-US"/>
           </a:p>
         </p:txBody>
       </p:sp>
@@ -539,42 +537,37 @@
           <a:p>
             <a:pPr lvl="0"/>
             <a:r>
-              <a:rPr lang="zh-CN" altLang="en-US" smtClean="0"/>
+              <a:rPr lang="zh-CN" altLang="en-US"/>
               <a:t>单击此处编辑母版文本样式</a:t>
             </a:r>
-            <a:endParaRPr lang="zh-CN" altLang="en-US" smtClean="0"/>
           </a:p>
           <a:p>
             <a:pPr lvl="1"/>
             <a:r>
-              <a:rPr lang="zh-CN" altLang="en-US" smtClean="0"/>
+              <a:rPr lang="zh-CN" altLang="en-US"/>
               <a:t>第二级</a:t>
             </a:r>
-            <a:endParaRPr lang="zh-CN" altLang="en-US" smtClean="0"/>
           </a:p>
           <a:p>
             <a:pPr lvl="2"/>
             <a:r>
-              <a:rPr lang="zh-CN" altLang="en-US" smtClean="0"/>
+              <a:rPr lang="zh-CN" altLang="en-US"/>
               <a:t>第三级</a:t>
             </a:r>
-            <a:endParaRPr lang="zh-CN" altLang="en-US" smtClean="0"/>
           </a:p>
           <a:p>
             <a:pPr lvl="3"/>
             <a:r>
-              <a:rPr lang="zh-CN" altLang="en-US" smtClean="0"/>
+              <a:rPr lang="zh-CN" altLang="en-US"/>
               <a:t>第四级</a:t>
             </a:r>
-            <a:endParaRPr lang="zh-CN" altLang="en-US" smtClean="0"/>
           </a:p>
           <a:p>
             <a:pPr lvl="4"/>
             <a:r>
-              <a:rPr lang="zh-CN" altLang="en-US" smtClean="0"/>
+              <a:rPr lang="zh-CN" altLang="en-US"/>
               <a:t>第五级</a:t>
             </a:r>
-            <a:endParaRPr lang="zh-CN" altLang="en-US"/>
           </a:p>
         </p:txBody>
       </p:sp>
@@ -595,6 +588,7 @@
           <a:p>
             <a:fld id="{D997B5FA-0921-464F-AAE1-844C04324D75}" type="datetimeFigureOut">
               <a:rPr lang="zh-CN" altLang="en-US" smtClean="0"/>
+              <a:t>2025/9/30</a:t>
             </a:fld>
             <a:endParaRPr lang="zh-CN" altLang="en-US"/>
           </a:p>
@@ -636,6 +630,7 @@
           <a:p>
             <a:fld id="{565CE74E-AB26-4998-AD42-012C4C1AD076}" type="slidenum">
               <a:rPr lang="zh-CN" altLang="en-US" smtClean="0"/>
+              <a:t>‹#›</a:t>
             </a:fld>
             <a:endParaRPr lang="zh-CN" altLang="en-US"/>
           </a:p>
@@ -682,10 +677,9 @@
           <a:lstStyle/>
           <a:p>
             <a:r>
-              <a:rPr lang="zh-CN" altLang="en-US" smtClean="0"/>
+              <a:rPr lang="zh-CN" altLang="en-US"/>
               <a:t>单击此处编辑母版标题样式</a:t>
             </a:r>
-            <a:endParaRPr lang="zh-CN" altLang="en-US"/>
           </a:p>
         </p:txBody>
       </p:sp>
@@ -706,42 +700,37 @@
           <a:p>
             <a:pPr lvl="0"/>
             <a:r>
-              <a:rPr lang="zh-CN" altLang="en-US" smtClean="0"/>
+              <a:rPr lang="zh-CN" altLang="en-US"/>
               <a:t>单击此处编辑母版文本样式</a:t>
             </a:r>
-            <a:endParaRPr lang="zh-CN" altLang="en-US" smtClean="0"/>
           </a:p>
           <a:p>
             <a:pPr lvl="1"/>
             <a:r>
-              <a:rPr lang="zh-CN" altLang="en-US" smtClean="0"/>
+              <a:rPr lang="zh-CN" altLang="en-US"/>
               <a:t>第二级</a:t>
             </a:r>
-            <a:endParaRPr lang="zh-CN" altLang="en-US" smtClean="0"/>
           </a:p>
           <a:p>
             <a:pPr lvl="2"/>
             <a:r>
-              <a:rPr lang="zh-CN" altLang="en-US" smtClean="0"/>
+              <a:rPr lang="zh-CN" altLang="en-US"/>
               <a:t>第三级</a:t>
             </a:r>
-            <a:endParaRPr lang="zh-CN" altLang="en-US" smtClean="0"/>
           </a:p>
           <a:p>
             <a:pPr lvl="3"/>
             <a:r>
-              <a:rPr lang="zh-CN" altLang="en-US" smtClean="0"/>
+              <a:rPr lang="zh-CN" altLang="en-US"/>
               <a:t>第四级</a:t>
             </a:r>
-            <a:endParaRPr lang="zh-CN" altLang="en-US" smtClean="0"/>
           </a:p>
           <a:p>
             <a:pPr lvl="4"/>
             <a:r>
-              <a:rPr lang="zh-CN" altLang="en-US" smtClean="0"/>
+              <a:rPr lang="zh-CN" altLang="en-US"/>
               <a:t>第五级</a:t>
             </a:r>
-            <a:endParaRPr lang="zh-CN" altLang="en-US"/>
           </a:p>
         </p:txBody>
       </p:sp>
@@ -762,6 +751,7 @@
           <a:p>
             <a:fld id="{D997B5FA-0921-464F-AAE1-844C04324D75}" type="datetimeFigureOut">
               <a:rPr lang="zh-CN" altLang="en-US" smtClean="0"/>
+              <a:t>2025/9/30</a:t>
             </a:fld>
             <a:endParaRPr lang="zh-CN" altLang="en-US"/>
           </a:p>
@@ -803,6 +793,7 @@
           <a:p>
             <a:fld id="{565CE74E-AB26-4998-AD42-012C4C1AD076}" type="slidenum">
               <a:rPr lang="zh-CN" altLang="en-US" smtClean="0"/>
+              <a:t>‹#›</a:t>
             </a:fld>
             <a:endParaRPr lang="zh-CN" altLang="en-US"/>
           </a:p>
@@ -858,10 +849,9 @@
           </a:lstStyle>
           <a:p>
             <a:r>
-              <a:rPr lang="zh-CN" altLang="en-US" smtClean="0"/>
+              <a:rPr lang="zh-CN" altLang="en-US"/>
               <a:t>单击此处编辑母版标题样式</a:t>
             </a:r>
-            <a:endParaRPr lang="zh-CN" altLang="en-US"/>
           </a:p>
         </p:txBody>
       </p:sp>
@@ -978,10 +968,9 @@
           <a:p>
             <a:pPr lvl="0"/>
             <a:r>
-              <a:rPr lang="zh-CN" altLang="en-US" smtClean="0"/>
+              <a:rPr lang="zh-CN" altLang="en-US"/>
               <a:t>单击此处编辑母版文本样式</a:t>
             </a:r>
-            <a:endParaRPr lang="zh-CN" altLang="en-US" smtClean="0"/>
           </a:p>
         </p:txBody>
       </p:sp>
@@ -1002,6 +991,7 @@
           <a:p>
             <a:fld id="{D997B5FA-0921-464F-AAE1-844C04324D75}" type="datetimeFigureOut">
               <a:rPr lang="zh-CN" altLang="en-US" smtClean="0"/>
+              <a:t>2025/9/30</a:t>
             </a:fld>
             <a:endParaRPr lang="zh-CN" altLang="en-US"/>
           </a:p>
@@ -1043,6 +1033,7 @@
           <a:p>
             <a:fld id="{565CE74E-AB26-4998-AD42-012C4C1AD076}" type="slidenum">
               <a:rPr lang="zh-CN" altLang="en-US" smtClean="0"/>
+              <a:t>‹#›</a:t>
             </a:fld>
             <a:endParaRPr lang="zh-CN" altLang="en-US"/>
           </a:p>
@@ -1089,10 +1080,9 @@
           <a:lstStyle/>
           <a:p>
             <a:r>
-              <a:rPr lang="zh-CN" altLang="en-US" smtClean="0"/>
+              <a:rPr lang="zh-CN" altLang="en-US"/>
               <a:t>单击此处编辑母版标题样式</a:t>
             </a:r>
-            <a:endParaRPr lang="zh-CN" altLang="en-US"/>
           </a:p>
         </p:txBody>
       </p:sp>
@@ -1118,42 +1108,37 @@
           <a:p>
             <a:pPr lvl="0"/>
             <a:r>
-              <a:rPr lang="zh-CN" altLang="en-US" smtClean="0"/>
+              <a:rPr lang="zh-CN" altLang="en-US"/>
               <a:t>单击此处编辑母版文本样式</a:t>
             </a:r>
-            <a:endParaRPr lang="zh-CN" altLang="en-US" smtClean="0"/>
           </a:p>
           <a:p>
             <a:pPr lvl="1"/>
             <a:r>
-              <a:rPr lang="zh-CN" altLang="en-US" smtClean="0"/>
+              <a:rPr lang="zh-CN" altLang="en-US"/>
               <a:t>第二级</a:t>
             </a:r>
-            <a:endParaRPr lang="zh-CN" altLang="en-US" smtClean="0"/>
           </a:p>
           <a:p>
             <a:pPr lvl="2"/>
             <a:r>
-              <a:rPr lang="zh-CN" altLang="en-US" smtClean="0"/>
+              <a:rPr lang="zh-CN" altLang="en-US"/>
               <a:t>第三级</a:t>
             </a:r>
-            <a:endParaRPr lang="zh-CN" altLang="en-US" smtClean="0"/>
           </a:p>
           <a:p>
             <a:pPr lvl="3"/>
             <a:r>
-              <a:rPr lang="zh-CN" altLang="en-US" smtClean="0"/>
+              <a:rPr lang="zh-CN" altLang="en-US"/>
               <a:t>第四级</a:t>
             </a:r>
-            <a:endParaRPr lang="zh-CN" altLang="en-US" smtClean="0"/>
           </a:p>
           <a:p>
             <a:pPr lvl="4"/>
             <a:r>
-              <a:rPr lang="zh-CN" altLang="en-US" smtClean="0"/>
+              <a:rPr lang="zh-CN" altLang="en-US"/>
               <a:t>第五级</a:t>
             </a:r>
-            <a:endParaRPr lang="zh-CN" altLang="en-US"/>
           </a:p>
         </p:txBody>
       </p:sp>
@@ -1179,42 +1164,37 @@
           <a:p>
             <a:pPr lvl="0"/>
             <a:r>
-              <a:rPr lang="zh-CN" altLang="en-US" smtClean="0"/>
+              <a:rPr lang="zh-CN" altLang="en-US"/>
               <a:t>单击此处编辑母版文本样式</a:t>
             </a:r>
-            <a:endParaRPr lang="zh-CN" altLang="en-US" smtClean="0"/>
           </a:p>
           <a:p>
             <a:pPr lvl="1"/>
             <a:r>
-              <a:rPr lang="zh-CN" altLang="en-US" smtClean="0"/>
+              <a:rPr lang="zh-CN" altLang="en-US"/>
               <a:t>第二级</a:t>
             </a:r>
-            <a:endParaRPr lang="zh-CN" altLang="en-US" smtClean="0"/>
           </a:p>
           <a:p>
             <a:pPr lvl="2"/>
             <a:r>
-              <a:rPr lang="zh-CN" altLang="en-US" smtClean="0"/>
+              <a:rPr lang="zh-CN" altLang="en-US"/>
               <a:t>第三级</a:t>
             </a:r>
-            <a:endParaRPr lang="zh-CN" altLang="en-US" smtClean="0"/>
           </a:p>
           <a:p>
             <a:pPr lvl="3"/>
             <a:r>
-              <a:rPr lang="zh-CN" altLang="en-US" smtClean="0"/>
+              <a:rPr lang="zh-CN" altLang="en-US"/>
               <a:t>第四级</a:t>
             </a:r>
-            <a:endParaRPr lang="zh-CN" altLang="en-US" smtClean="0"/>
           </a:p>
           <a:p>
             <a:pPr lvl="4"/>
             <a:r>
-              <a:rPr lang="zh-CN" altLang="en-US" smtClean="0"/>
+              <a:rPr lang="zh-CN" altLang="en-US"/>
               <a:t>第五级</a:t>
             </a:r>
-            <a:endParaRPr lang="zh-CN" altLang="en-US"/>
           </a:p>
         </p:txBody>
       </p:sp>
@@ -1235,6 +1215,7 @@
           <a:p>
             <a:fld id="{D997B5FA-0921-464F-AAE1-844C04324D75}" type="datetimeFigureOut">
               <a:rPr lang="zh-CN" altLang="en-US" smtClean="0"/>
+              <a:t>2025/9/30</a:t>
             </a:fld>
             <a:endParaRPr lang="zh-CN" altLang="en-US"/>
           </a:p>
@@ -1276,6 +1257,7 @@
           <a:p>
             <a:fld id="{565CE74E-AB26-4998-AD42-012C4C1AD076}" type="slidenum">
               <a:rPr lang="zh-CN" altLang="en-US" smtClean="0"/>
+              <a:t>‹#›</a:t>
             </a:fld>
             <a:endParaRPr lang="zh-CN" altLang="en-US"/>
           </a:p>
@@ -1327,10 +1309,9 @@
           <a:lstStyle/>
           <a:p>
             <a:r>
-              <a:rPr lang="zh-CN" altLang="en-US" smtClean="0"/>
+              <a:rPr lang="zh-CN" altLang="en-US"/>
               <a:t>单击此处编辑母版标题样式</a:t>
             </a:r>
-            <a:endParaRPr lang="zh-CN" altLang="en-US"/>
           </a:p>
         </p:txBody>
       </p:sp>
@@ -1393,10 +1374,9 @@
           <a:p>
             <a:pPr lvl="0"/>
             <a:r>
-              <a:rPr lang="zh-CN" altLang="en-US" smtClean="0"/>
+              <a:rPr lang="zh-CN" altLang="en-US"/>
               <a:t>单击此处编辑母版文本样式</a:t>
             </a:r>
-            <a:endParaRPr lang="zh-CN" altLang="en-US" smtClean="0"/>
           </a:p>
         </p:txBody>
       </p:sp>
@@ -1422,42 +1402,37 @@
           <a:p>
             <a:pPr lvl="0"/>
             <a:r>
-              <a:rPr lang="zh-CN" altLang="en-US" smtClean="0"/>
+              <a:rPr lang="zh-CN" altLang="en-US"/>
               <a:t>单击此处编辑母版文本样式</a:t>
             </a:r>
-            <a:endParaRPr lang="zh-CN" altLang="en-US" smtClean="0"/>
           </a:p>
           <a:p>
             <a:pPr lvl="1"/>
             <a:r>
-              <a:rPr lang="zh-CN" altLang="en-US" smtClean="0"/>
+              <a:rPr lang="zh-CN" altLang="en-US"/>
               <a:t>第二级</a:t>
             </a:r>
-            <a:endParaRPr lang="zh-CN" altLang="en-US" smtClean="0"/>
           </a:p>
           <a:p>
             <a:pPr lvl="2"/>
             <a:r>
-              <a:rPr lang="zh-CN" altLang="en-US" smtClean="0"/>
+              <a:rPr lang="zh-CN" altLang="en-US"/>
               <a:t>第三级</a:t>
             </a:r>
-            <a:endParaRPr lang="zh-CN" altLang="en-US" smtClean="0"/>
           </a:p>
           <a:p>
             <a:pPr lvl="3"/>
             <a:r>
-              <a:rPr lang="zh-CN" altLang="en-US" smtClean="0"/>
+              <a:rPr lang="zh-CN" altLang="en-US"/>
               <a:t>第四级</a:t>
             </a:r>
-            <a:endParaRPr lang="zh-CN" altLang="en-US" smtClean="0"/>
           </a:p>
           <a:p>
             <a:pPr lvl="4"/>
             <a:r>
-              <a:rPr lang="zh-CN" altLang="en-US" smtClean="0"/>
+              <a:rPr lang="zh-CN" altLang="en-US"/>
               <a:t>第五级</a:t>
             </a:r>
-            <a:endParaRPr lang="zh-CN" altLang="en-US"/>
           </a:p>
         </p:txBody>
       </p:sp>
@@ -1520,10 +1495,9 @@
           <a:p>
             <a:pPr lvl="0"/>
             <a:r>
-              <a:rPr lang="zh-CN" altLang="en-US" smtClean="0"/>
+              <a:rPr lang="zh-CN" altLang="en-US"/>
               <a:t>单击此处编辑母版文本样式</a:t>
             </a:r>
-            <a:endParaRPr lang="zh-CN" altLang="en-US" smtClean="0"/>
           </a:p>
         </p:txBody>
       </p:sp>
@@ -1549,42 +1523,37 @@
           <a:p>
             <a:pPr lvl="0"/>
             <a:r>
-              <a:rPr lang="zh-CN" altLang="en-US" smtClean="0"/>
+              <a:rPr lang="zh-CN" altLang="en-US"/>
               <a:t>单击此处编辑母版文本样式</a:t>
             </a:r>
-            <a:endParaRPr lang="zh-CN" altLang="en-US" smtClean="0"/>
           </a:p>
           <a:p>
             <a:pPr lvl="1"/>
             <a:r>
-              <a:rPr lang="zh-CN" altLang="en-US" smtClean="0"/>
+              <a:rPr lang="zh-CN" altLang="en-US"/>
               <a:t>第二级</a:t>
             </a:r>
-            <a:endParaRPr lang="zh-CN" altLang="en-US" smtClean="0"/>
           </a:p>
           <a:p>
             <a:pPr lvl="2"/>
             <a:r>
-              <a:rPr lang="zh-CN" altLang="en-US" smtClean="0"/>
+              <a:rPr lang="zh-CN" altLang="en-US"/>
               <a:t>第三级</a:t>
             </a:r>
-            <a:endParaRPr lang="zh-CN" altLang="en-US" smtClean="0"/>
           </a:p>
           <a:p>
             <a:pPr lvl="3"/>
             <a:r>
-              <a:rPr lang="zh-CN" altLang="en-US" smtClean="0"/>
+              <a:rPr lang="zh-CN" altLang="en-US"/>
               <a:t>第四级</a:t>
             </a:r>
-            <a:endParaRPr lang="zh-CN" altLang="en-US" smtClean="0"/>
           </a:p>
           <a:p>
             <a:pPr lvl="4"/>
             <a:r>
-              <a:rPr lang="zh-CN" altLang="en-US" smtClean="0"/>
+              <a:rPr lang="zh-CN" altLang="en-US"/>
               <a:t>第五级</a:t>
             </a:r>
-            <a:endParaRPr lang="zh-CN" altLang="en-US"/>
           </a:p>
         </p:txBody>
       </p:sp>
@@ -1605,6 +1574,7 @@
           <a:p>
             <a:fld id="{D997B5FA-0921-464F-AAE1-844C04324D75}" type="datetimeFigureOut">
               <a:rPr lang="zh-CN" altLang="en-US" smtClean="0"/>
+              <a:t>2025/9/30</a:t>
             </a:fld>
             <a:endParaRPr lang="zh-CN" altLang="en-US"/>
           </a:p>
@@ -1646,6 +1616,7 @@
           <a:p>
             <a:fld id="{565CE74E-AB26-4998-AD42-012C4C1AD076}" type="slidenum">
               <a:rPr lang="zh-CN" altLang="en-US" smtClean="0"/>
+              <a:t>‹#›</a:t>
             </a:fld>
             <a:endParaRPr lang="zh-CN" altLang="en-US"/>
           </a:p>
@@ -1692,10 +1663,9 @@
           <a:lstStyle/>
           <a:p>
             <a:r>
-              <a:rPr lang="zh-CN" altLang="en-US" smtClean="0"/>
+              <a:rPr lang="zh-CN" altLang="en-US"/>
               <a:t>单击此处编辑母版标题样式</a:t>
             </a:r>
-            <a:endParaRPr lang="zh-CN" altLang="en-US"/>
           </a:p>
         </p:txBody>
       </p:sp>
@@ -1716,6 +1686,7 @@
           <a:p>
             <a:fld id="{D997B5FA-0921-464F-AAE1-844C04324D75}" type="datetimeFigureOut">
               <a:rPr lang="zh-CN" altLang="en-US" smtClean="0"/>
+              <a:t>2025/9/30</a:t>
             </a:fld>
             <a:endParaRPr lang="zh-CN" altLang="en-US"/>
           </a:p>
@@ -1757,6 +1728,7 @@
           <a:p>
             <a:fld id="{565CE74E-AB26-4998-AD42-012C4C1AD076}" type="slidenum">
               <a:rPr lang="zh-CN" altLang="en-US" smtClean="0"/>
+              <a:t>‹#›</a:t>
             </a:fld>
             <a:endParaRPr lang="zh-CN" altLang="en-US"/>
           </a:p>
@@ -1804,6 +1776,7 @@
           <a:p>
             <a:fld id="{D997B5FA-0921-464F-AAE1-844C04324D75}" type="datetimeFigureOut">
               <a:rPr lang="zh-CN" altLang="en-US" smtClean="0"/>
+              <a:t>2025/9/30</a:t>
             </a:fld>
             <a:endParaRPr lang="zh-CN" altLang="en-US"/>
           </a:p>
@@ -1845,6 +1818,7 @@
           <a:p>
             <a:fld id="{565CE74E-AB26-4998-AD42-012C4C1AD076}" type="slidenum">
               <a:rPr lang="zh-CN" altLang="en-US" smtClean="0"/>
+              <a:t>‹#›</a:t>
             </a:fld>
             <a:endParaRPr lang="zh-CN" altLang="en-US"/>
           </a:p>
@@ -1900,10 +1874,9 @@
           </a:lstStyle>
           <a:p>
             <a:r>
-              <a:rPr lang="zh-CN" altLang="en-US" smtClean="0"/>
+              <a:rPr lang="zh-CN" altLang="en-US"/>
               <a:t>单击此处编辑母版标题样式</a:t>
             </a:r>
-            <a:endParaRPr lang="zh-CN" altLang="en-US"/>
           </a:p>
         </p:txBody>
       </p:sp>
@@ -1957,42 +1930,37 @@
           <a:p>
             <a:pPr lvl="0"/>
             <a:r>
-              <a:rPr lang="zh-CN" altLang="en-US" smtClean="0"/>
+              <a:rPr lang="zh-CN" altLang="en-US"/>
               <a:t>单击此处编辑母版文本样式</a:t>
             </a:r>
-            <a:endParaRPr lang="zh-CN" altLang="en-US" smtClean="0"/>
           </a:p>
           <a:p>
             <a:pPr lvl="1"/>
             <a:r>
-              <a:rPr lang="zh-CN" altLang="en-US" smtClean="0"/>
+              <a:rPr lang="zh-CN" altLang="en-US"/>
               <a:t>第二级</a:t>
             </a:r>
-            <a:endParaRPr lang="zh-CN" altLang="en-US" smtClean="0"/>
           </a:p>
           <a:p>
             <a:pPr lvl="2"/>
             <a:r>
-              <a:rPr lang="zh-CN" altLang="en-US" smtClean="0"/>
+              <a:rPr lang="zh-CN" altLang="en-US"/>
               <a:t>第三级</a:t>
             </a:r>
-            <a:endParaRPr lang="zh-CN" altLang="en-US" smtClean="0"/>
           </a:p>
           <a:p>
             <a:pPr lvl="3"/>
             <a:r>
-              <a:rPr lang="zh-CN" altLang="en-US" smtClean="0"/>
+              <a:rPr lang="zh-CN" altLang="en-US"/>
               <a:t>第四级</a:t>
             </a:r>
-            <a:endParaRPr lang="zh-CN" altLang="en-US" smtClean="0"/>
           </a:p>
           <a:p>
             <a:pPr lvl="4"/>
             <a:r>
-              <a:rPr lang="zh-CN" altLang="en-US" smtClean="0"/>
+              <a:rPr lang="zh-CN" altLang="en-US"/>
               <a:t>第五级</a:t>
             </a:r>
-            <a:endParaRPr lang="zh-CN" altLang="en-US"/>
           </a:p>
         </p:txBody>
       </p:sp>
@@ -2055,10 +2023,9 @@
           <a:p>
             <a:pPr lvl="0"/>
             <a:r>
-              <a:rPr lang="zh-CN" altLang="en-US" smtClean="0"/>
+              <a:rPr lang="zh-CN" altLang="en-US"/>
               <a:t>单击此处编辑母版文本样式</a:t>
             </a:r>
-            <a:endParaRPr lang="zh-CN" altLang="en-US" smtClean="0"/>
           </a:p>
         </p:txBody>
       </p:sp>
@@ -2079,6 +2046,7 @@
           <a:p>
             <a:fld id="{D997B5FA-0921-464F-AAE1-844C04324D75}" type="datetimeFigureOut">
               <a:rPr lang="zh-CN" altLang="en-US" smtClean="0"/>
+              <a:t>2025/9/30</a:t>
             </a:fld>
             <a:endParaRPr lang="zh-CN" altLang="en-US"/>
           </a:p>
@@ -2120,6 +2088,7 @@
           <a:p>
             <a:fld id="{565CE74E-AB26-4998-AD42-012C4C1AD076}" type="slidenum">
               <a:rPr lang="zh-CN" altLang="en-US" smtClean="0"/>
+              <a:t>‹#›</a:t>
             </a:fld>
             <a:endParaRPr lang="zh-CN" altLang="en-US"/>
           </a:p>
@@ -2175,10 +2144,9 @@
           </a:lstStyle>
           <a:p>
             <a:r>
-              <a:rPr lang="zh-CN" altLang="en-US" smtClean="0"/>
+              <a:rPr lang="zh-CN" altLang="en-US"/>
               <a:t>单击此处编辑母版标题样式</a:t>
             </a:r>
-            <a:endParaRPr lang="zh-CN" altLang="en-US"/>
           </a:p>
         </p:txBody>
       </p:sp>
@@ -2302,10 +2270,9 @@
           <a:p>
             <a:pPr lvl="0"/>
             <a:r>
-              <a:rPr lang="zh-CN" altLang="en-US" smtClean="0"/>
+              <a:rPr lang="zh-CN" altLang="en-US"/>
               <a:t>单击此处编辑母版文本样式</a:t>
             </a:r>
-            <a:endParaRPr lang="zh-CN" altLang="en-US" smtClean="0"/>
           </a:p>
         </p:txBody>
       </p:sp>
@@ -2326,6 +2293,7 @@
           <a:p>
             <a:fld id="{D997B5FA-0921-464F-AAE1-844C04324D75}" type="datetimeFigureOut">
               <a:rPr lang="zh-CN" altLang="en-US" smtClean="0"/>
+              <a:t>2025/9/30</a:t>
             </a:fld>
             <a:endParaRPr lang="zh-CN" altLang="en-US"/>
           </a:p>
@@ -2367,6 +2335,7 @@
           <a:p>
             <a:fld id="{565CE74E-AB26-4998-AD42-012C4C1AD076}" type="slidenum">
               <a:rPr lang="zh-CN" altLang="en-US" smtClean="0"/>
+              <a:t>‹#›</a:t>
             </a:fld>
             <a:endParaRPr lang="zh-CN" altLang="en-US"/>
           </a:p>
@@ -2428,10 +2397,9 @@
           <a:lstStyle/>
           <a:p>
             <a:r>
-              <a:rPr lang="zh-CN" altLang="en-US" smtClean="0"/>
+              <a:rPr lang="zh-CN" altLang="en-US"/>
               <a:t>单击此处编辑母版标题样式</a:t>
             </a:r>
-            <a:endParaRPr lang="zh-CN" altLang="en-US"/>
           </a:p>
         </p:txBody>
       </p:sp>
@@ -2462,42 +2430,37 @@
           <a:p>
             <a:pPr lvl="0"/>
             <a:r>
-              <a:rPr lang="zh-CN" altLang="en-US" smtClean="0"/>
+              <a:rPr lang="zh-CN" altLang="en-US"/>
               <a:t>单击此处编辑母版文本样式</a:t>
             </a:r>
-            <a:endParaRPr lang="zh-CN" altLang="en-US" smtClean="0"/>
           </a:p>
           <a:p>
             <a:pPr lvl="1"/>
             <a:r>
-              <a:rPr lang="zh-CN" altLang="en-US" smtClean="0"/>
+              <a:rPr lang="zh-CN" altLang="en-US"/>
               <a:t>第二级</a:t>
             </a:r>
-            <a:endParaRPr lang="zh-CN" altLang="en-US" smtClean="0"/>
           </a:p>
           <a:p>
             <a:pPr lvl="2"/>
             <a:r>
-              <a:rPr lang="zh-CN" altLang="en-US" smtClean="0"/>
+              <a:rPr lang="zh-CN" altLang="en-US"/>
               <a:t>第三级</a:t>
             </a:r>
-            <a:endParaRPr lang="zh-CN" altLang="en-US" smtClean="0"/>
           </a:p>
           <a:p>
             <a:pPr lvl="3"/>
             <a:r>
-              <a:rPr lang="zh-CN" altLang="en-US" smtClean="0"/>
+              <a:rPr lang="zh-CN" altLang="en-US"/>
               <a:t>第四级</a:t>
             </a:r>
-            <a:endParaRPr lang="zh-CN" altLang="en-US" smtClean="0"/>
           </a:p>
           <a:p>
             <a:pPr lvl="4"/>
             <a:r>
-              <a:rPr lang="zh-CN" altLang="en-US" smtClean="0"/>
+              <a:rPr lang="zh-CN" altLang="en-US"/>
               <a:t>第五级</a:t>
             </a:r>
-            <a:endParaRPr lang="zh-CN" altLang="en-US"/>
           </a:p>
         </p:txBody>
       </p:sp>
@@ -2536,6 +2499,7 @@
           <a:p>
             <a:fld id="{D997B5FA-0921-464F-AAE1-844C04324D75}" type="datetimeFigureOut">
               <a:rPr lang="zh-CN" altLang="en-US" smtClean="0"/>
+              <a:t>2025/9/30</a:t>
             </a:fld>
             <a:endParaRPr lang="zh-CN" altLang="en-US"/>
           </a:p>
@@ -2613,6 +2577,7 @@
           <a:p>
             <a:fld id="{565CE74E-AB26-4998-AD42-012C4C1AD076}" type="slidenum">
               <a:rPr lang="zh-CN" altLang="en-US" smtClean="0"/>
+              <a:t>‹#›</a:t>
             </a:fld>
             <a:endParaRPr lang="zh-CN" altLang="en-US"/>
           </a:p>
@@ -2917,6 +2882,119 @@
 </p:sldMaster>
 </file>
 
+<file path=ppt/slides/slide1.xml><?xml version="1.0" encoding="utf-8"?>
+<p:sld xmlns:a="http://schemas.openxmlformats.org/drawingml/2006/main" xmlns:r="http://schemas.openxmlformats.org/officeDocument/2006/relationships" xmlns:p="http://schemas.openxmlformats.org/presentationml/2006/main">
+  <p:cSld>
+    <p:spTree>
+      <p:nvGrpSpPr>
+        <p:cNvPr id="1" name=""/>
+        <p:cNvGrpSpPr/>
+        <p:nvPr/>
+      </p:nvGrpSpPr>
+      <p:grpSpPr>
+        <a:xfrm>
+          <a:off x="0" y="0"/>
+          <a:ext cx="0" cy="0"/>
+          <a:chOff x="0" y="0"/>
+          <a:chExt cx="0" cy="0"/>
+        </a:xfrm>
+      </p:grpSpPr>
+      <p:sp>
+        <p:nvSpPr>
+          <p:cNvPr id="2" name="标题 1">
+            <a:extLst>
+              <a:ext uri="{FF2B5EF4-FFF2-40B4-BE49-F238E27FC236}">
+                <a16:creationId xmlns:a16="http://schemas.microsoft.com/office/drawing/2014/main" id="{EF27207E-D861-4D3F-2471-403544EA1450}"/>
+              </a:ext>
+            </a:extLst>
+          </p:cNvPr>
+          <p:cNvSpPr>
+            <a:spLocks noGrp="1"/>
+          </p:cNvSpPr>
+          <p:nvPr>
+            <p:ph type="ctrTitle"/>
+          </p:nvPr>
+        </p:nvSpPr>
+        <p:spPr/>
+        <p:txBody>
+          <a:bodyPr>
+            <a:normAutofit fontScale="90000"/>
+          </a:bodyPr>
+          <a:lstStyle/>
+          <a:p>
+            <a:r>
+              <a:rPr lang="zh-CN" altLang="zh-CN" dirty="0"/>
+              <a:t>以</a:t>
+            </a:r>
+            <a:r>
+              <a:rPr lang="en-US" altLang="zh-CN" dirty="0"/>
+              <a:t>PPT</a:t>
+            </a:r>
+            <a:r>
+              <a:rPr lang="zh-CN" altLang="zh-CN" dirty="0"/>
+              <a:t>等形式来介绍和展示方案的思路和核心内容</a:t>
+            </a:r>
+            <a:r>
+              <a:rPr lang="en-US" altLang="zh-CN" dirty="0"/>
+              <a:t>(10</a:t>
+            </a:r>
+            <a:r>
+              <a:rPr lang="zh-CN" altLang="zh-CN" dirty="0"/>
+              <a:t>分钟以内为宜</a:t>
+            </a:r>
+            <a:r>
+              <a:rPr lang="en-US" altLang="zh-CN" dirty="0"/>
+              <a:t>)</a:t>
+            </a:r>
+            <a:r>
+              <a:rPr lang="zh-CN" altLang="zh-CN" dirty="0"/>
+              <a:t>。</a:t>
+            </a:r>
+            <a:br>
+              <a:rPr lang="zh-CN" altLang="zh-CN" dirty="0"/>
+            </a:br>
+            <a:endParaRPr lang="zh-CN" altLang="en-US" dirty="0"/>
+          </a:p>
+        </p:txBody>
+      </p:sp>
+      <p:sp>
+        <p:nvSpPr>
+          <p:cNvPr id="3" name="副标题 2">
+            <a:extLst>
+              <a:ext uri="{FF2B5EF4-FFF2-40B4-BE49-F238E27FC236}">
+                <a16:creationId xmlns:a16="http://schemas.microsoft.com/office/drawing/2014/main" id="{7378F1A2-6D16-8976-73FF-93CE82DCFE05}"/>
+              </a:ext>
+            </a:extLst>
+          </p:cNvPr>
+          <p:cNvSpPr>
+            <a:spLocks noGrp="1"/>
+          </p:cNvSpPr>
+          <p:nvPr>
+            <p:ph type="subTitle" idx="1"/>
+          </p:nvPr>
+        </p:nvSpPr>
+        <p:spPr/>
+        <p:txBody>
+          <a:bodyPr/>
+          <a:lstStyle/>
+          <a:p>
+            <a:endParaRPr lang="zh-CN" altLang="en-US"/>
+          </a:p>
+        </p:txBody>
+      </p:sp>
+    </p:spTree>
+    <p:extLst>
+      <p:ext uri="{BB962C8B-B14F-4D97-AF65-F5344CB8AC3E}">
+        <p14:creationId xmlns:p14="http://schemas.microsoft.com/office/powerpoint/2010/main" val="1141411725"/>
+      </p:ext>
+    </p:extLst>
+  </p:cSld>
+  <p:clrMapOvr>
+    <a:masterClrMapping/>
+  </p:clrMapOvr>
+</p:sld>
+</file>
+
 <file path=ppt/theme/theme1.xml><?xml version="1.0" encoding="utf-8"?>
 <a:theme xmlns:a="http://schemas.openxmlformats.org/drawingml/2006/main" name="WPS">
   <a:themeElements>
@@ -3160,6 +3238,8 @@
       </a:bgFillStyleLst>
     </a:fmtScheme>
   </a:themeElements>
+  <a:objectDefaults/>
+  <a:extraClrSchemeLst/>
   <a:extLst>
     <a:ext uri="{05A4C25C-085E-4340-85A3-A5531E510DB2}">
       <thm15:themeFamily xmlns:thm15="http://schemas.microsoft.com/office/thememl/2012/main" name="Office Theme" id="{62F939B6-93AF-4DB8-9C6B-D6C7DFDC589F}" vid="{4A3C46E8-61CC-4603-A589-7422A47A8E4A}"/>
